--- a/ppts/photonmapping/Primary Sample Space Path Guiding.pptx
+++ b/ppts/photonmapping/Primary Sample Space Path Guiding.pptx
@@ -7597,6 +7597,25 @@
               <a:buFontTx/>
               <a:buChar char="-"/>
             </a:pPr>
+            <a:r>
+              <a:rPr lang="ja-JP" altLang="en-US" sz="2000" dirty="0"/>
+              <a:t>収集とサンプリングは</a:t>
+            </a:r>
+            <a:r>
+              <a:rPr lang="en-US" altLang="ja-JP" sz="2000" dirty="0"/>
+              <a:t>PSS</a:t>
+            </a:r>
+            <a:r>
+              <a:rPr lang="ja-JP" altLang="en-US" sz="2000"/>
+              <a:t>内で行う</a:t>
+            </a:r>
+            <a:endParaRPr lang="en-US" altLang="ja-JP" sz="2000" dirty="0"/>
+          </a:p>
+          <a:p>
+            <a:pPr>
+              <a:buFontTx/>
+              <a:buChar char="-"/>
+            </a:pPr>
             <a:endParaRPr lang="en-US" altLang="ja-JP" sz="2000" dirty="0"/>
           </a:p>
           <a:p>
@@ -7677,6 +7696,12 @@
               <a:rPr lang="ja-JP" altLang="en-US" sz="1600" dirty="0"/>
               <a:t>が必要な場合はノイズが入る</a:t>
             </a:r>
+            <a:endParaRPr lang="en-US" altLang="ja-JP" sz="1600" dirty="0"/>
+          </a:p>
+          <a:p>
+            <a:pPr marL="457200" lvl="1" indent="0">
+              <a:buNone/>
+            </a:pPr>
             <a:endParaRPr lang="en-US" altLang="ja-JP" sz="1600" dirty="0"/>
           </a:p>
           <a:p>
@@ -8114,7 +8139,7 @@
         </p:blipFill>
         <p:spPr>
           <a:xfrm>
-            <a:off x="2120396" y="915305"/>
+            <a:off x="2120396" y="897626"/>
             <a:ext cx="7230484" cy="5229955"/>
           </a:xfrm>
           <a:prstGeom prst="rect">
@@ -8159,36 +8184,54 @@
           </a:p>
         </p:txBody>
       </p:sp>
-      <p:pic>
-        <p:nvPicPr>
-          <p:cNvPr id="5" name="図 4">
+      <p:sp>
+        <p:nvSpPr>
+          <p:cNvPr id="6" name="テキスト ボックス 5">
             <a:extLst>
               <a:ext uri="{FF2B5EF4-FFF2-40B4-BE49-F238E27FC236}">
-                <a16:creationId xmlns:a16="http://schemas.microsoft.com/office/drawing/2014/main" id="{79D1A2B3-2C2E-4808-BAF3-FC47FEB526E6}"/>
+                <a16:creationId xmlns:a16="http://schemas.microsoft.com/office/drawing/2014/main" id="{C8374717-C5F8-49DC-9B9D-29ECC5100004}"/>
               </a:ext>
             </a:extLst>
           </p:cNvPr>
-          <p:cNvPicPr>
-            <a:picLocks noChangeAspect="1"/>
-          </p:cNvPicPr>
+          <p:cNvSpPr txBox="1"/>
           <p:nvPr/>
-        </p:nvPicPr>
-        <p:blipFill>
-          <a:blip r:embed="rId4"/>
-          <a:stretch>
-            <a:fillRect/>
-          </a:stretch>
-        </p:blipFill>
+        </p:nvSpPr>
         <p:spPr>
           <a:xfrm>
-            <a:off x="970835" y="2209630"/>
-            <a:ext cx="10250330" cy="2438740"/>
+            <a:off x="6654062" y="2024844"/>
+            <a:ext cx="1980029" cy="707886"/>
           </a:xfrm>
           <a:prstGeom prst="rect">
             <a:avLst/>
           </a:prstGeom>
+          <a:noFill/>
+          <a:ln w="38100">
+            <a:solidFill>
+              <a:srgbClr val="E4007F"/>
+            </a:solidFill>
+          </a:ln>
         </p:spPr>
-      </p:pic>
+        <p:txBody>
+          <a:bodyPr wrap="none" rtlCol="0">
+            <a:spAutoFit/>
+          </a:bodyPr>
+          <a:lstStyle/>
+          <a:p>
+            <a:r>
+              <a:rPr kumimoji="1" lang="ja-JP" altLang="en-US" sz="2000" b="1" i="1" dirty="0"/>
+              <a:t>五次元</a:t>
+            </a:r>
+            <a:endParaRPr kumimoji="1" lang="en-US" altLang="ja-JP" sz="2000" b="1" i="1" dirty="0"/>
+          </a:p>
+          <a:p>
+            <a:r>
+              <a:rPr lang="ja-JP" altLang="en-US" sz="2000" b="1" i="1" dirty="0"/>
+              <a:t>方向２、位置３</a:t>
+            </a:r>
+            <a:endParaRPr kumimoji="1" lang="ja-JP" altLang="en-US" sz="2000" b="1" i="1" dirty="0"/>
+          </a:p>
+        </p:txBody>
+      </p:sp>
     </p:spTree>
     <p:extLst>
       <p:ext uri="{BB962C8B-B14F-4D97-AF65-F5344CB8AC3E}">

--- a/ppts/photonmapping/Primary Sample Space Path Guiding.pptx
+++ b/ppts/photonmapping/Primary Sample Space Path Guiding.pptx
@@ -12,12 +12,12 @@
   </p:handoutMasterIdLst>
   <p:sldIdLst>
     <p:sldId id="717" r:id="rId2"/>
-    <p:sldId id="714" r:id="rId3"/>
+    <p:sldId id="721" r:id="rId3"/>
     <p:sldId id="713" r:id="rId4"/>
     <p:sldId id="718" r:id="rId5"/>
     <p:sldId id="719" r:id="rId6"/>
-    <p:sldId id="721" r:id="rId7"/>
-    <p:sldId id="720" r:id="rId8"/>
+    <p:sldId id="720" r:id="rId7"/>
+    <p:sldId id="714" r:id="rId8"/>
   </p:sldIdLst>
   <p:sldSz cx="12192000" cy="6858000"/>
   <p:notesSz cx="6858000" cy="9144000"/>
@@ -6877,7 +6877,7 @@
           <p:cNvPr id="5" name="図 4">
             <a:extLst>
               <a:ext uri="{FF2B5EF4-FFF2-40B4-BE49-F238E27FC236}">
-                <a16:creationId xmlns:a16="http://schemas.microsoft.com/office/drawing/2014/main" id="{A67474D1-1D84-4BC5-BD36-EE7A03EA81D1}"/>
+                <a16:creationId xmlns:a16="http://schemas.microsoft.com/office/drawing/2014/main" id="{79D1A2B3-2C2E-4808-BAF3-FC47FEB526E6}"/>
               </a:ext>
             </a:extLst>
           </p:cNvPr>
@@ -6894,8 +6894,8 @@
         </p:blipFill>
         <p:spPr>
           <a:xfrm>
-            <a:off x="515380" y="916027"/>
-            <a:ext cx="6346748" cy="5077398"/>
+            <a:off x="1667508" y="806161"/>
+            <a:ext cx="8683500" cy="2065963"/>
           </a:xfrm>
           <a:prstGeom prst="rect">
             <a:avLst/>
@@ -6904,10 +6904,10 @@
       </p:pic>
       <p:pic>
         <p:nvPicPr>
-          <p:cNvPr id="6" name="図 5">
+          <p:cNvPr id="3" name="図 2">
             <a:extLst>
               <a:ext uri="{FF2B5EF4-FFF2-40B4-BE49-F238E27FC236}">
-                <a16:creationId xmlns:a16="http://schemas.microsoft.com/office/drawing/2014/main" id="{DECACB32-41D7-497F-8484-7D9AA4133A92}"/>
+                <a16:creationId xmlns:a16="http://schemas.microsoft.com/office/drawing/2014/main" id="{90559841-80FE-4AEB-800C-3F0372E3D59C}"/>
               </a:ext>
             </a:extLst>
           </p:cNvPr>
@@ -6924,8 +6924,8 @@
         </p:blipFill>
         <p:spPr>
           <a:xfrm>
-            <a:off x="6860078" y="1448780"/>
-            <a:ext cx="4361190" cy="3859460"/>
+            <a:off x="3179676" y="3029425"/>
+            <a:ext cx="6115904" cy="3562847"/>
           </a:xfrm>
           <a:prstGeom prst="rect">
             <a:avLst/>
@@ -6935,7 +6935,7 @@
     </p:spTree>
     <p:extLst>
       <p:ext uri="{BB962C8B-B14F-4D97-AF65-F5344CB8AC3E}">
-        <p14:creationId xmlns:p14="http://schemas.microsoft.com/office/powerpoint/2010/main" val="719560211"/>
+        <p14:creationId xmlns:p14="http://schemas.microsoft.com/office/powerpoint/2010/main" val="456970016"/>
       </p:ext>
     </p:extLst>
   </p:cSld>
@@ -8402,10 +8402,10 @@
       </p:sp>
       <p:pic>
         <p:nvPicPr>
-          <p:cNvPr id="5" name="図 4">
+          <p:cNvPr id="6" name="図 5">
             <a:extLst>
               <a:ext uri="{FF2B5EF4-FFF2-40B4-BE49-F238E27FC236}">
-                <a16:creationId xmlns:a16="http://schemas.microsoft.com/office/drawing/2014/main" id="{79D1A2B3-2C2E-4808-BAF3-FC47FEB526E6}"/>
+                <a16:creationId xmlns:a16="http://schemas.microsoft.com/office/drawing/2014/main" id="{FDF48F03-204F-4584-8D2D-1993E14304BE}"/>
               </a:ext>
             </a:extLst>
           </p:cNvPr>
@@ -8422,38 +8422,8 @@
         </p:blipFill>
         <p:spPr>
           <a:xfrm>
-            <a:off x="1667508" y="806161"/>
-            <a:ext cx="8683500" cy="2065963"/>
-          </a:xfrm>
-          <a:prstGeom prst="rect">
-            <a:avLst/>
-          </a:prstGeom>
-        </p:spPr>
-      </p:pic>
-      <p:pic>
-        <p:nvPicPr>
-          <p:cNvPr id="3" name="図 2">
-            <a:extLst>
-              <a:ext uri="{FF2B5EF4-FFF2-40B4-BE49-F238E27FC236}">
-                <a16:creationId xmlns:a16="http://schemas.microsoft.com/office/drawing/2014/main" id="{90559841-80FE-4AEB-800C-3F0372E3D59C}"/>
-              </a:ext>
-            </a:extLst>
-          </p:cNvPr>
-          <p:cNvPicPr>
-            <a:picLocks noChangeAspect="1"/>
-          </p:cNvPicPr>
-          <p:nvPr/>
-        </p:nvPicPr>
-        <p:blipFill>
-          <a:blip r:embed="rId3"/>
-          <a:stretch>
-            <a:fillRect/>
-          </a:stretch>
-        </p:blipFill>
-        <p:spPr>
-          <a:xfrm>
-            <a:off x="3179676" y="3029425"/>
-            <a:ext cx="6115904" cy="3562847"/>
+            <a:off x="3107668" y="1047948"/>
+            <a:ext cx="6144482" cy="5544324"/>
           </a:xfrm>
           <a:prstGeom prst="rect">
             <a:avLst/>
@@ -8463,7 +8433,7 @@
     </p:spTree>
     <p:extLst>
       <p:ext uri="{BB962C8B-B14F-4D97-AF65-F5344CB8AC3E}">
-        <p14:creationId xmlns:p14="http://schemas.microsoft.com/office/powerpoint/2010/main" val="456970016"/>
+        <p14:creationId xmlns:p14="http://schemas.microsoft.com/office/powerpoint/2010/main" val="1264011513"/>
       </p:ext>
     </p:extLst>
   </p:cSld>
@@ -8630,10 +8600,10 @@
       </p:sp>
       <p:pic>
         <p:nvPicPr>
-          <p:cNvPr id="6" name="図 5">
+          <p:cNvPr id="5" name="図 4">
             <a:extLst>
               <a:ext uri="{FF2B5EF4-FFF2-40B4-BE49-F238E27FC236}">
-                <a16:creationId xmlns:a16="http://schemas.microsoft.com/office/drawing/2014/main" id="{FDF48F03-204F-4584-8D2D-1993E14304BE}"/>
+                <a16:creationId xmlns:a16="http://schemas.microsoft.com/office/drawing/2014/main" id="{A67474D1-1D84-4BC5-BD36-EE7A03EA81D1}"/>
               </a:ext>
             </a:extLst>
           </p:cNvPr>
@@ -8650,8 +8620,38 @@
         </p:blipFill>
         <p:spPr>
           <a:xfrm>
-            <a:off x="3107668" y="1047948"/>
-            <a:ext cx="6144482" cy="5544324"/>
+            <a:off x="515380" y="916027"/>
+            <a:ext cx="6346748" cy="5077398"/>
+          </a:xfrm>
+          <a:prstGeom prst="rect">
+            <a:avLst/>
+          </a:prstGeom>
+        </p:spPr>
+      </p:pic>
+      <p:pic>
+        <p:nvPicPr>
+          <p:cNvPr id="6" name="図 5">
+            <a:extLst>
+              <a:ext uri="{FF2B5EF4-FFF2-40B4-BE49-F238E27FC236}">
+                <a16:creationId xmlns:a16="http://schemas.microsoft.com/office/drawing/2014/main" id="{DECACB32-41D7-497F-8484-7D9AA4133A92}"/>
+              </a:ext>
+            </a:extLst>
+          </p:cNvPr>
+          <p:cNvPicPr>
+            <a:picLocks noChangeAspect="1"/>
+          </p:cNvPicPr>
+          <p:nvPr/>
+        </p:nvPicPr>
+        <p:blipFill>
+          <a:blip r:embed="rId3"/>
+          <a:stretch>
+            <a:fillRect/>
+          </a:stretch>
+        </p:blipFill>
+        <p:spPr>
+          <a:xfrm>
+            <a:off x="6860078" y="1448780"/>
+            <a:ext cx="4361190" cy="3859460"/>
           </a:xfrm>
           <a:prstGeom prst="rect">
             <a:avLst/>
@@ -8661,7 +8661,7 @@
     </p:spTree>
     <p:extLst>
       <p:ext uri="{BB962C8B-B14F-4D97-AF65-F5344CB8AC3E}">
-        <p14:creationId xmlns:p14="http://schemas.microsoft.com/office/powerpoint/2010/main" val="1264011513"/>
+        <p14:creationId xmlns:p14="http://schemas.microsoft.com/office/powerpoint/2010/main" val="719560211"/>
       </p:ext>
     </p:extLst>
   </p:cSld>

--- a/ppts/photonmapping/Primary Sample Space Path Guiding.pptx
+++ b/ppts/photonmapping/Primary Sample Space Path Guiding.pptx
@@ -7606,7 +7606,7 @@
               <a:t>PSS</a:t>
             </a:r>
             <a:r>
-              <a:rPr lang="ja-JP" altLang="en-US" sz="2000"/>
+              <a:rPr lang="ja-JP" altLang="en-US" sz="2000" dirty="0"/>
               <a:t>内で行う</a:t>
             </a:r>
             <a:endParaRPr lang="en-US" altLang="ja-JP" sz="2000" dirty="0"/>
@@ -8139,7 +8139,7 @@
         </p:blipFill>
         <p:spPr>
           <a:xfrm>
-            <a:off x="2120396" y="897626"/>
+            <a:off x="1775520" y="879130"/>
             <a:ext cx="7230484" cy="5229955"/>
           </a:xfrm>
           <a:prstGeom prst="rect">
